--- a/lectures/PHP-99-Written-Midterm.pptx
+++ b/lectures/PHP-99-Written-Midterm.pptx
@@ -292,7 +292,7 @@
           <a:p>
             <a:fld id="{A4F1240F-FE18-6747-8573-4FB413C63649}" type="datetimeFigureOut">
               <a:rPr lang="en-US" smtClean="0"/>
-              <a:t>3/12/15</a:t>
+              <a:t>3/13/15</a:t>
             </a:fld>
             <a:endParaRPr lang="en-US"/>
           </a:p>
@@ -462,7 +462,7 @@
           <a:p>
             <a:fld id="{A4F1240F-FE18-6747-8573-4FB413C63649}" type="datetimeFigureOut">
               <a:rPr lang="en-US" smtClean="0"/>
-              <a:t>3/12/15</a:t>
+              <a:t>3/13/15</a:t>
             </a:fld>
             <a:endParaRPr lang="en-US"/>
           </a:p>
@@ -642,7 +642,7 @@
           <a:p>
             <a:fld id="{A4F1240F-FE18-6747-8573-4FB413C63649}" type="datetimeFigureOut">
               <a:rPr lang="en-US" smtClean="0"/>
-              <a:t>3/12/15</a:t>
+              <a:t>3/13/15</a:t>
             </a:fld>
             <a:endParaRPr lang="en-US"/>
           </a:p>
@@ -812,7 +812,7 @@
           <a:p>
             <a:fld id="{A4F1240F-FE18-6747-8573-4FB413C63649}" type="datetimeFigureOut">
               <a:rPr lang="en-US" smtClean="0"/>
-              <a:t>3/12/15</a:t>
+              <a:t>3/13/15</a:t>
             </a:fld>
             <a:endParaRPr lang="en-US"/>
           </a:p>
@@ -1058,7 +1058,7 @@
           <a:p>
             <a:fld id="{A4F1240F-FE18-6747-8573-4FB413C63649}" type="datetimeFigureOut">
               <a:rPr lang="en-US" smtClean="0"/>
-              <a:t>3/12/15</a:t>
+              <a:t>3/13/15</a:t>
             </a:fld>
             <a:endParaRPr lang="en-US"/>
           </a:p>
@@ -1346,7 +1346,7 @@
           <a:p>
             <a:fld id="{A4F1240F-FE18-6747-8573-4FB413C63649}" type="datetimeFigureOut">
               <a:rPr lang="en-US" smtClean="0"/>
-              <a:t>3/12/15</a:t>
+              <a:t>3/13/15</a:t>
             </a:fld>
             <a:endParaRPr lang="en-US"/>
           </a:p>
@@ -1768,7 +1768,7 @@
           <a:p>
             <a:fld id="{A4F1240F-FE18-6747-8573-4FB413C63649}" type="datetimeFigureOut">
               <a:rPr lang="en-US" smtClean="0"/>
-              <a:t>3/12/15</a:t>
+              <a:t>3/13/15</a:t>
             </a:fld>
             <a:endParaRPr lang="en-US"/>
           </a:p>
@@ -1886,7 +1886,7 @@
           <a:p>
             <a:fld id="{A4F1240F-FE18-6747-8573-4FB413C63649}" type="datetimeFigureOut">
               <a:rPr lang="en-US" smtClean="0"/>
-              <a:t>3/12/15</a:t>
+              <a:t>3/13/15</a:t>
             </a:fld>
             <a:endParaRPr lang="en-US"/>
           </a:p>
@@ -1981,7 +1981,7 @@
           <a:p>
             <a:fld id="{A4F1240F-FE18-6747-8573-4FB413C63649}" type="datetimeFigureOut">
               <a:rPr lang="en-US" smtClean="0"/>
-              <a:t>3/12/15</a:t>
+              <a:t>3/13/15</a:t>
             </a:fld>
             <a:endParaRPr lang="en-US"/>
           </a:p>
@@ -2258,7 +2258,7 @@
           <a:p>
             <a:fld id="{A4F1240F-FE18-6747-8573-4FB413C63649}" type="datetimeFigureOut">
               <a:rPr lang="en-US" smtClean="0"/>
-              <a:t>3/12/15</a:t>
+              <a:t>3/13/15</a:t>
             </a:fld>
             <a:endParaRPr lang="en-US"/>
           </a:p>
@@ -2515,7 +2515,7 @@
           <a:p>
             <a:fld id="{A4F1240F-FE18-6747-8573-4FB413C63649}" type="datetimeFigureOut">
               <a:rPr lang="en-US" smtClean="0"/>
-              <a:t>3/12/15</a:t>
+              <a:t>3/13/15</a:t>
             </a:fld>
             <a:endParaRPr lang="en-US"/>
           </a:p>
@@ -2728,7 +2728,7 @@
           <a:p>
             <a:fld id="{A4F1240F-FE18-6747-8573-4FB413C63649}" type="datetimeFigureOut">
               <a:rPr lang="en-US" smtClean="0"/>
-              <a:t>3/12/15</a:t>
+              <a:t>3/13/15</a:t>
             </a:fld>
             <a:endParaRPr lang="en-US"/>
           </a:p>
@@ -3245,16 +3245,21 @@
           <a:p>
             <a:r>
               <a:rPr lang="en-US" dirty="0" smtClean="0"/>
-              <a:t>Two pages of </a:t>
-            </a:r>
-            <a:r>
-              <a:rPr lang="en-US" smtClean="0"/>
-              <a:t>8.5 x 11 notes </a:t>
+              <a:t>Two physical </a:t>
             </a:r>
             <a:r>
               <a:rPr lang="en-US" dirty="0" smtClean="0"/>
-              <a:t>(front / back)</a:t>
-            </a:r>
+              <a:t>pages of 8.5 x 11 </a:t>
+            </a:r>
+            <a:r>
+              <a:rPr lang="en-US" dirty="0" smtClean="0"/>
+              <a:t>notes and it is OK to use both front bac</a:t>
+            </a:r>
+            <a:r>
+              <a:rPr lang="en-US" dirty="0"/>
+              <a:t>k</a:t>
+            </a:r>
+            <a:endParaRPr lang="en-US" dirty="0" smtClean="0"/>
           </a:p>
           <a:p>
             <a:r>
